--- a/Parallelizing Dijkstras Algorithm.pptx
+++ b/Parallelizing Dijkstras Algorithm.pptx
@@ -5,18 +5,19 @@
     <p:sldMasterId id="2147483648" r:id="rId1"/>
   </p:sldMasterIdLst>
   <p:notesMasterIdLst>
-    <p:notesMasterId r:id="rId11"/>
+    <p:notesMasterId r:id="rId12"/>
   </p:notesMasterIdLst>
   <p:sldIdLst>
     <p:sldId id="256" r:id="rId2"/>
     <p:sldId id="257" r:id="rId3"/>
     <p:sldId id="258" r:id="rId4"/>
     <p:sldId id="259" r:id="rId5"/>
-    <p:sldId id="260" r:id="rId6"/>
-    <p:sldId id="261" r:id="rId7"/>
-    <p:sldId id="262" r:id="rId8"/>
-    <p:sldId id="263" r:id="rId9"/>
-    <p:sldId id="264" r:id="rId10"/>
+    <p:sldId id="265" r:id="rId6"/>
+    <p:sldId id="260" r:id="rId7"/>
+    <p:sldId id="261" r:id="rId8"/>
+    <p:sldId id="262" r:id="rId9"/>
+    <p:sldId id="263" r:id="rId10"/>
+    <p:sldId id="264" r:id="rId11"/>
   </p:sldIdLst>
   <p:sldSz cx="9144000" cy="6858000" type="screen4x3"/>
   <p:notesSz cx="6858000" cy="9144000"/>
@@ -208,7 +209,7 @@
           <a:p>
             <a:fld id="{BFEBF3DD-24B8-9D40-ABEB-B4A0E772B6FC}" type="datetimeFigureOut">
               <a:rPr lang="en-US" smtClean="0"/>
-              <a:t>5/9/2018</a:t>
+              <a:t>5/10/2018</a:t>
             </a:fld>
             <a:endParaRPr lang="en-US"/>
           </a:p>
@@ -5197,12 +5198,12 @@
               <a:t>Parallelizing </a:t>
             </a:r>
             <a:r>
-              <a:rPr lang="en-US" dirty="0" err="1" smtClean="0"/>
-              <a:t>Dijkstras</a:t>
-            </a:r>
-            <a:r>
               <a:rPr lang="en-US" dirty="0" smtClean="0"/>
-              <a:t> Algorithm</a:t>
+              <a:t>Dijkstra’s </a:t>
+            </a:r>
+            <a:r>
+              <a:rPr lang="en-US" dirty="0" smtClean="0"/>
+              <a:t>Algorithm</a:t>
             </a:r>
             <a:endParaRPr lang="en-US" dirty="0"/>
           </a:p>
@@ -5248,6 +5249,133 @@
       </p:par>
     </p:tnLst>
   </p:timing>
+</p:sld>
+</file>
+
+<file path=ppt/slides/slide10.xml><?xml version="1.0" encoding="utf-8"?>
+<p:sld xmlns:a="http://schemas.openxmlformats.org/drawingml/2006/main" xmlns:r="http://schemas.openxmlformats.org/officeDocument/2006/relationships" xmlns:p="http://schemas.openxmlformats.org/presentationml/2006/main">
+  <p:cSld>
+    <p:spTree>
+      <p:nvGrpSpPr>
+        <p:cNvPr id="1" name=""/>
+        <p:cNvGrpSpPr/>
+        <p:nvPr/>
+      </p:nvGrpSpPr>
+      <p:grpSpPr>
+        <a:xfrm>
+          <a:off x="0" y="0"/>
+          <a:ext cx="0" cy="0"/>
+          <a:chOff x="0" y="0"/>
+          <a:chExt cx="0" cy="0"/>
+        </a:xfrm>
+      </p:grpSpPr>
+      <p:sp>
+        <p:nvSpPr>
+          <p:cNvPr id="2" name="Title 1"/>
+          <p:cNvSpPr>
+            <a:spLocks noGrp="1"/>
+          </p:cNvSpPr>
+          <p:nvPr>
+            <p:ph type="title" idx="4294967295"/>
+          </p:nvPr>
+        </p:nvSpPr>
+        <p:spPr>
+          <a:xfrm>
+            <a:off x="0" y="682625"/>
+            <a:ext cx="6210300" cy="1008063"/>
+          </a:xfrm>
+        </p:spPr>
+        <p:txBody>
+          <a:bodyPr/>
+          <a:lstStyle/>
+          <a:p>
+            <a:r>
+              <a:rPr lang="en-US" dirty="0" smtClean="0"/>
+              <a:t>Wrap up</a:t>
+            </a:r>
+            <a:endParaRPr lang="en-US" dirty="0"/>
+          </a:p>
+        </p:txBody>
+      </p:sp>
+      <p:sp>
+        <p:nvSpPr>
+          <p:cNvPr id="4" name="Slide Number Placeholder 3"/>
+          <p:cNvSpPr>
+            <a:spLocks noGrp="1"/>
+          </p:cNvSpPr>
+          <p:nvPr>
+            <p:ph type="sldNum" sz="quarter" idx="4294967295"/>
+          </p:nvPr>
+        </p:nvSpPr>
+        <p:spPr>
+          <a:xfrm>
+            <a:off x="8742363" y="6335713"/>
+            <a:ext cx="401637" cy="365125"/>
+          </a:xfrm>
+        </p:spPr>
+        <p:txBody>
+          <a:bodyPr/>
+          <a:lstStyle/>
+          <a:p>
+            <a:fld id="{DCFE8AC6-424E-904F-AE4A-648F5E9D72F5}" type="slidenum">
+              <a:rPr lang="en-US" smtClean="0"/>
+              <a:pPr/>
+              <a:t>10</a:t>
+            </a:fld>
+            <a:endParaRPr lang="en-US" dirty="0"/>
+          </a:p>
+        </p:txBody>
+      </p:sp>
+      <p:sp>
+        <p:nvSpPr>
+          <p:cNvPr id="5" name="TextBox 4"/>
+          <p:cNvSpPr txBox="1"/>
+          <p:nvPr/>
+        </p:nvSpPr>
+        <p:spPr>
+          <a:xfrm>
+            <a:off x="1820488" y="682625"/>
+            <a:ext cx="4197928" cy="1569660"/>
+          </a:xfrm>
+          <a:prstGeom prst="rect">
+            <a:avLst/>
+          </a:prstGeom>
+          <a:noFill/>
+        </p:spPr>
+        <p:txBody>
+          <a:bodyPr wrap="square" rtlCol="0">
+            <a:spAutoFit/>
+          </a:bodyPr>
+          <a:lstStyle/>
+          <a:p>
+            <a:r>
+              <a:rPr lang="en-US" sz="9600" b="1" dirty="0" smtClean="0">
+                <a:solidFill>
+                  <a:schemeClr val="bg1"/>
+                </a:solidFill>
+                <a:latin typeface="Lucida Calligraphy" panose="03010101010101010101" pitchFamily="66" charset="0"/>
+              </a:rPr>
+              <a:t>FIN</a:t>
+            </a:r>
+            <a:endParaRPr lang="en-US" sz="9600" b="1" dirty="0">
+              <a:solidFill>
+                <a:schemeClr val="bg1"/>
+              </a:solidFill>
+              <a:latin typeface="Lucida Calligraphy" panose="03010101010101010101" pitchFamily="66" charset="0"/>
+            </a:endParaRPr>
+          </a:p>
+        </p:txBody>
+      </p:sp>
+    </p:spTree>
+    <p:extLst>
+      <p:ext uri="{BB962C8B-B14F-4D97-AF65-F5344CB8AC3E}">
+        <p14:creationId xmlns:p14="http://schemas.microsoft.com/office/powerpoint/2010/main" val="3620566938"/>
+      </p:ext>
+    </p:extLst>
+  </p:cSld>
+  <p:clrMapOvr>
+    <a:masterClrMapping/>
+  </p:clrMapOvr>
 </p:sld>
 </file>
 
@@ -5404,15 +5532,7 @@
           <a:p>
             <a:r>
               <a:rPr lang="en-US" dirty="0" smtClean="0"/>
-              <a:t>Brief overview of </a:t>
-            </a:r>
-            <a:r>
-              <a:rPr lang="en-US" dirty="0" err="1" smtClean="0"/>
-              <a:t>Dijkstra’s</a:t>
-            </a:r>
-            <a:r>
-              <a:rPr lang="en-US" dirty="0" smtClean="0"/>
-              <a:t> Algorithm</a:t>
+              <a:t>Brief overview of Dijkstra’s Algorithm</a:t>
             </a:r>
             <a:endParaRPr lang="en-US" dirty="0"/>
           </a:p>
@@ -5430,7 +5550,9 @@
         </p:nvSpPr>
         <p:spPr/>
         <p:txBody>
-          <a:bodyPr/>
+          <a:bodyPr>
+            <a:normAutofit lnSpcReduction="10000"/>
+          </a:bodyPr>
           <a:lstStyle/>
           <a:p>
             <a:r>
@@ -5440,23 +5562,49 @@
           </a:p>
           <a:p>
             <a:r>
-              <a:rPr lang="en-US" dirty="0" err="1" smtClean="0"/>
-              <a:t>Dijkstra’s</a:t>
-            </a:r>
-            <a:r>
               <a:rPr lang="en-US" dirty="0" smtClean="0"/>
-              <a:t> algorithm has been used in the past to simplify city transportation routes and maps.</a:t>
-            </a:r>
-          </a:p>
-          <a:p>
-            <a:r>
-              <a:rPr lang="en-US" dirty="0" err="1" smtClean="0"/>
-              <a:t>Dijkstra’s</a:t>
+              <a:t>Dijkstra’s algorithm has been used in the past to </a:t>
             </a:r>
             <a:r>
               <a:rPr lang="en-US" dirty="0" smtClean="0"/>
-              <a:t> run time is O(M*N)</a:t>
-            </a:r>
+              <a:t>simplify city </a:t>
+            </a:r>
+            <a:r>
+              <a:rPr lang="en-US" dirty="0" smtClean="0"/>
+              <a:t>transportation routes and </a:t>
+            </a:r>
+            <a:r>
+              <a:rPr lang="en-US" dirty="0" smtClean="0"/>
+              <a:t>maps, by finding the quickes</a:t>
+            </a:r>
+            <a:r>
+              <a:rPr lang="en-US" dirty="0" smtClean="0"/>
+              <a:t>t route from point A to point B</a:t>
+            </a:r>
+            <a:endParaRPr lang="en-US" dirty="0" smtClean="0"/>
+          </a:p>
+          <a:p>
+            <a:r>
+              <a:rPr lang="en-US" dirty="0" smtClean="0"/>
+              <a:t>Dijkstra’s run time is O(M*N</a:t>
+            </a:r>
+            <a:r>
+              <a:rPr lang="en-US" dirty="0" smtClean="0"/>
+              <a:t>) </a:t>
+            </a:r>
+          </a:p>
+          <a:p>
+            <a:r>
+              <a:rPr lang="en-US" dirty="0" smtClean="0"/>
+              <a:t>N = number of nodes</a:t>
+            </a:r>
+          </a:p>
+          <a:p>
+            <a:r>
+              <a:rPr lang="en-US" dirty="0" smtClean="0"/>
+              <a:t>M = number of edges</a:t>
+            </a:r>
+            <a:endParaRPr lang="en-US" dirty="0" smtClean="0"/>
           </a:p>
           <a:p>
             <a:endParaRPr lang="en-US" dirty="0" smtClean="0"/>
@@ -5503,6 +5651,13 @@
   <p:clrMapOvr>
     <a:masterClrMapping/>
   </p:clrMapOvr>
+  <p:timing>
+    <p:tnLst>
+      <p:par>
+        <p:cTn id="1" dur="indefinite" restart="never" nodeType="tmRoot"/>
+      </p:par>
+    </p:tnLst>
+  </p:timing>
 </p:sld>
 </file>
 
@@ -5559,7 +5714,7 @@
         <p:spPr/>
         <p:txBody>
           <a:bodyPr>
-            <a:normAutofit/>
+            <a:normAutofit lnSpcReduction="10000"/>
           </a:bodyPr>
           <a:lstStyle/>
           <a:p>
@@ -5568,28 +5723,48 @@
               <a:t>We chose </a:t>
             </a:r>
             <a:r>
-              <a:rPr lang="en-US" dirty="0" err="1"/>
-              <a:t>Dijkstras</a:t>
+              <a:rPr lang="en-US" dirty="0" smtClean="0"/>
+              <a:t>Dijkstra’s </a:t>
             </a:r>
             <a:r>
               <a:rPr lang="en-US" dirty="0"/>
-              <a:t> because we were familiar with the </a:t>
+              <a:t>because we were familiar with the </a:t>
             </a:r>
             <a:r>
               <a:rPr lang="en-US" dirty="0" smtClean="0"/>
-              <a:t>algorithm.</a:t>
-            </a:r>
+              <a:t>algorithm</a:t>
+            </a:r>
+            <a:endParaRPr lang="en-US" dirty="0" smtClean="0"/>
           </a:p>
           <a:p>
             <a:r>
               <a:rPr lang="en-US" dirty="0" smtClean="0"/>
-              <a:t>We decided to find the shortest path from one node to all other nodes for every node.</a:t>
-            </a:r>
-          </a:p>
-          <a:p>
+              <a:t>We decided to find the shortest path </a:t>
+            </a:r>
             <a:r>
               <a:rPr lang="en-US" dirty="0" smtClean="0"/>
-              <a:t>Our run time is O(M*N^2)</a:t>
+              <a:t>from every node to every other node</a:t>
+            </a:r>
+            <a:endParaRPr lang="en-US" dirty="0" smtClean="0"/>
+          </a:p>
+          <a:p>
+            <a:r>
+              <a:rPr lang="en-US" dirty="0" smtClean="0"/>
+              <a:t>Our run time is O(M*N^2</a:t>
+            </a:r>
+            <a:r>
+              <a:rPr lang="en-US" dirty="0" smtClean="0"/>
+              <a:t>),</a:t>
+            </a:r>
+            <a:r>
+              <a:rPr lang="en-US" dirty="0" smtClean="0"/>
+              <a:t> since Dijkstra’s is running N amount of times</a:t>
+            </a:r>
+          </a:p>
+          <a:p>
+            <a:r>
+              <a:rPr lang="en-US" dirty="0" smtClean="0"/>
+              <a:t>Our program writes to a text file the shortest path from the current node to all other nodes</a:t>
             </a:r>
           </a:p>
         </p:txBody>
@@ -5628,6 +5803,13 @@
   <p:clrMapOvr>
     <a:masterClrMapping/>
   </p:clrMapOvr>
+  <p:timing>
+    <p:tnLst>
+      <p:par>
+        <p:cTn id="1" dur="indefinite" restart="never" nodeType="tmRoot"/>
+      </p:par>
+    </p:tnLst>
+  </p:timing>
 </p:sld>
 </file>
 
@@ -5665,7 +5847,7 @@
           <a:p>
             <a:r>
               <a:rPr lang="en-US" dirty="0" smtClean="0"/>
-              <a:t>Benefits of Parallelization</a:t>
+              <a:t>Screenshot of output</a:t>
             </a:r>
             <a:endParaRPr lang="en-US" dirty="0"/>
           </a:p>
@@ -5686,24 +5868,6 @@
           <a:bodyPr/>
           <a:lstStyle/>
           <a:p>
-            <a:r>
-              <a:rPr lang="en-US" dirty="0" smtClean="0"/>
-              <a:t>Makes it faster</a:t>
-            </a:r>
-          </a:p>
-          <a:p>
-            <a:r>
-              <a:rPr lang="en-US" dirty="0" smtClean="0"/>
-              <a:t>Allows for larger problem sets to be solved</a:t>
-            </a:r>
-          </a:p>
-          <a:p>
-            <a:r>
-              <a:rPr lang="en-US" dirty="0" smtClean="0"/>
-              <a:t>Frees up more compute power to be tasked elsewhere</a:t>
-            </a:r>
-          </a:p>
-          <a:p>
             <a:endParaRPr lang="en-US" dirty="0"/>
           </a:p>
         </p:txBody>
@@ -5735,7 +5899,7 @@
     </p:spTree>
     <p:extLst>
       <p:ext uri="{BB962C8B-B14F-4D97-AF65-F5344CB8AC3E}">
-        <p14:creationId xmlns:p14="http://schemas.microsoft.com/office/powerpoint/2010/main" val="838312694"/>
+        <p14:creationId xmlns:p14="http://schemas.microsoft.com/office/powerpoint/2010/main" val="1168081259"/>
       </p:ext>
     </p:extLst>
   </p:cSld>
@@ -5779,7 +5943,7 @@
           <a:p>
             <a:r>
               <a:rPr lang="en-US" dirty="0" smtClean="0"/>
-              <a:t>How we parallelized it</a:t>
+              <a:t>Benefits of Parallelization</a:t>
             </a:r>
             <a:endParaRPr lang="en-US" dirty="0"/>
           </a:p>
@@ -5801,24 +5965,40 @@
           <a:lstStyle/>
           <a:p>
             <a:r>
-              <a:rPr lang="en-US" dirty="0"/>
-              <a:t>We are using Python m</a:t>
-            </a:r>
-            <a:r>
               <a:rPr lang="en-US" dirty="0" smtClean="0"/>
-              <a:t>ultiprocessing </a:t>
-            </a:r>
-            <a:r>
-              <a:rPr lang="en-US" dirty="0"/>
-              <a:t>to parallelize </a:t>
-            </a:r>
-            <a:r>
-              <a:rPr lang="en-US" dirty="0" err="1"/>
-              <a:t>Dijkstra’s</a:t>
-            </a:r>
-            <a:r>
-              <a:rPr lang="en-US" dirty="0"/>
-              <a:t> algorithm</a:t>
+              <a:t>Makes it faster</a:t>
+            </a:r>
+          </a:p>
+          <a:p>
+            <a:r>
+              <a:rPr lang="en-US" dirty="0" smtClean="0"/>
+              <a:t>Allows for larger problem sets to be solved</a:t>
+            </a:r>
+          </a:p>
+          <a:p>
+            <a:r>
+              <a:rPr lang="en-US" dirty="0" smtClean="0"/>
+              <a:t>Frees up more </a:t>
+            </a:r>
+            <a:r>
+              <a:rPr lang="en-US" dirty="0" smtClean="0"/>
+              <a:t>computing </a:t>
+            </a:r>
+            <a:r>
+              <a:rPr lang="en-US" dirty="0" smtClean="0"/>
+              <a:t>power to be </a:t>
+            </a:r>
+            <a:r>
+              <a:rPr lang="en-US" dirty="0" smtClean="0"/>
+              <a:t>used</a:t>
+            </a:r>
+            <a:r>
+              <a:rPr lang="en-US" dirty="0" smtClean="0"/>
+              <a:t> </a:t>
+            </a:r>
+            <a:r>
+              <a:rPr lang="en-US" dirty="0" smtClean="0"/>
+              <a:t>elsewhere</a:t>
             </a:r>
           </a:p>
           <a:p>
@@ -5853,13 +6033,20 @@
     </p:spTree>
     <p:extLst>
       <p:ext uri="{BB962C8B-B14F-4D97-AF65-F5344CB8AC3E}">
-        <p14:creationId xmlns:p14="http://schemas.microsoft.com/office/powerpoint/2010/main" val="2085309129"/>
+        <p14:creationId xmlns:p14="http://schemas.microsoft.com/office/powerpoint/2010/main" val="838312694"/>
       </p:ext>
     </p:extLst>
   </p:cSld>
   <p:clrMapOvr>
     <a:masterClrMapping/>
   </p:clrMapOvr>
+  <p:timing>
+    <p:tnLst>
+      <p:par>
+        <p:cTn id="1" dur="indefinite" restart="never" nodeType="tmRoot"/>
+      </p:par>
+    </p:tnLst>
+  </p:timing>
 </p:sld>
 </file>
 
@@ -5897,7 +6084,7 @@
           <a:p>
             <a:r>
               <a:rPr lang="en-US" dirty="0" smtClean="0"/>
-              <a:t>Serial results</a:t>
+              <a:t>How we parallelized it</a:t>
             </a:r>
             <a:endParaRPr lang="en-US" dirty="0"/>
           </a:p>
@@ -5918,7 +6105,44 @@
           <a:bodyPr/>
           <a:lstStyle/>
           <a:p>
-            <a:endParaRPr lang="en-US"/>
+            <a:r>
+              <a:rPr lang="en-US" dirty="0"/>
+              <a:t>We are using Python m</a:t>
+            </a:r>
+            <a:r>
+              <a:rPr lang="en-US" dirty="0" smtClean="0"/>
+              <a:t>ultiprocessing </a:t>
+            </a:r>
+            <a:r>
+              <a:rPr lang="en-US" dirty="0"/>
+              <a:t>to parallelize Dijkstra’s </a:t>
+            </a:r>
+            <a:r>
+              <a:rPr lang="en-US" dirty="0" smtClean="0"/>
+              <a:t>algorithm</a:t>
+            </a:r>
+          </a:p>
+          <a:p>
+            <a:r>
+              <a:rPr lang="en-US" dirty="0" smtClean="0"/>
+              <a:t>N = number of nodes</a:t>
+            </a:r>
+          </a:p>
+          <a:p>
+            <a:r>
+              <a:rPr lang="en-US" dirty="0" smtClean="0"/>
+              <a:t>K = number of processors</a:t>
+            </a:r>
+          </a:p>
+          <a:p>
+            <a:r>
+              <a:rPr lang="en-US" dirty="0" smtClean="0"/>
+              <a:t>Each processor runs Dijkstra’s N / K amount of times, with a different start node each time</a:t>
+            </a:r>
+            <a:endParaRPr lang="en-US" dirty="0"/>
+          </a:p>
+          <a:p>
+            <a:endParaRPr lang="en-US" dirty="0"/>
           </a:p>
         </p:txBody>
       </p:sp>
@@ -5949,13 +6173,20 @@
     </p:spTree>
     <p:extLst>
       <p:ext uri="{BB962C8B-B14F-4D97-AF65-F5344CB8AC3E}">
-        <p14:creationId xmlns:p14="http://schemas.microsoft.com/office/powerpoint/2010/main" val="1602840120"/>
+        <p14:creationId xmlns:p14="http://schemas.microsoft.com/office/powerpoint/2010/main" val="2085309129"/>
       </p:ext>
     </p:extLst>
   </p:cSld>
   <p:clrMapOvr>
     <a:masterClrMapping/>
   </p:clrMapOvr>
+  <p:timing>
+    <p:tnLst>
+      <p:par>
+        <p:cTn id="1" dur="indefinite" restart="never" nodeType="tmRoot"/>
+      </p:par>
+    </p:tnLst>
+  </p:timing>
 </p:sld>
 </file>
 
@@ -5993,7 +6224,7 @@
           <a:p>
             <a:r>
               <a:rPr lang="en-US" dirty="0" smtClean="0"/>
-              <a:t>Parallel results</a:t>
+              <a:t>Serial results</a:t>
             </a:r>
             <a:endParaRPr lang="en-US" dirty="0"/>
           </a:p>
@@ -6045,7 +6276,7 @@
     </p:spTree>
     <p:extLst>
       <p:ext uri="{BB962C8B-B14F-4D97-AF65-F5344CB8AC3E}">
-        <p14:creationId xmlns:p14="http://schemas.microsoft.com/office/powerpoint/2010/main" val="3159767453"/>
+        <p14:creationId xmlns:p14="http://schemas.microsoft.com/office/powerpoint/2010/main" val="1602840120"/>
       </p:ext>
     </p:extLst>
   </p:cSld>
@@ -6089,7 +6320,7 @@
           <a:p>
             <a:r>
               <a:rPr lang="en-US" dirty="0" smtClean="0"/>
-              <a:t>Wrap up</a:t>
+              <a:t>Parallel results</a:t>
             </a:r>
             <a:endParaRPr lang="en-US" dirty="0"/>
           </a:p>
@@ -6110,7 +6341,7 @@
           <a:bodyPr/>
           <a:lstStyle/>
           <a:p>
-            <a:endParaRPr lang="en-US" dirty="0"/>
+            <a:endParaRPr lang="en-US"/>
           </a:p>
         </p:txBody>
       </p:sp>
@@ -6141,7 +6372,7 @@
     </p:spTree>
     <p:extLst>
       <p:ext uri="{BB962C8B-B14F-4D97-AF65-F5344CB8AC3E}">
-        <p14:creationId xmlns:p14="http://schemas.microsoft.com/office/powerpoint/2010/main" val="3620566938"/>
+        <p14:creationId xmlns:p14="http://schemas.microsoft.com/office/powerpoint/2010/main" val="3159767453"/>
       </p:ext>
     </p:extLst>
   </p:cSld>

--- a/Parallelizing Dijkstras Algorithm.pptx
+++ b/Parallelizing Dijkstras Algorithm.pptx
@@ -5,7 +5,7 @@
     <p:sldMasterId id="2147483648" r:id="rId1"/>
   </p:sldMasterIdLst>
   <p:notesMasterIdLst>
-    <p:notesMasterId r:id="rId12"/>
+    <p:notesMasterId r:id="rId11"/>
   </p:notesMasterIdLst>
   <p:sldIdLst>
     <p:sldId id="256" r:id="rId2"/>
@@ -16,8 +16,7 @@
     <p:sldId id="260" r:id="rId7"/>
     <p:sldId id="261" r:id="rId8"/>
     <p:sldId id="262" r:id="rId9"/>
-    <p:sldId id="263" r:id="rId10"/>
-    <p:sldId id="264" r:id="rId11"/>
+    <p:sldId id="264" r:id="rId10"/>
   </p:sldIdLst>
   <p:sldSz cx="9144000" cy="6858000" type="screen4x3"/>
   <p:notesSz cx="6858000" cy="9144000"/>
@@ -209,7 +208,7 @@
           <a:p>
             <a:fld id="{BFEBF3DD-24B8-9D40-ABEB-B4A0E772B6FC}" type="datetimeFigureOut">
               <a:rPr lang="en-US" smtClean="0"/>
-              <a:t>5/10/2018</a:t>
+              <a:t>5/15/18</a:t>
             </a:fld>
             <a:endParaRPr lang="en-US"/>
           </a:p>
@@ -5195,15 +5194,7 @@
           <a:p>
             <a:r>
               <a:rPr lang="en-US" dirty="0" smtClean="0"/>
-              <a:t>Parallelizing </a:t>
-            </a:r>
-            <a:r>
-              <a:rPr lang="en-US" dirty="0" smtClean="0"/>
-              <a:t>Dijkstra’s </a:t>
-            </a:r>
-            <a:r>
-              <a:rPr lang="en-US" dirty="0" smtClean="0"/>
-              <a:t>Algorithm</a:t>
+              <a:t>Parallelizing Dijkstra’s Algorithm</a:t>
             </a:r>
             <a:endParaRPr lang="en-US" dirty="0"/>
           </a:p>
@@ -5249,133 +5240,6 @@
       </p:par>
     </p:tnLst>
   </p:timing>
-</p:sld>
-</file>
-
-<file path=ppt/slides/slide10.xml><?xml version="1.0" encoding="utf-8"?>
-<p:sld xmlns:a="http://schemas.openxmlformats.org/drawingml/2006/main" xmlns:r="http://schemas.openxmlformats.org/officeDocument/2006/relationships" xmlns:p="http://schemas.openxmlformats.org/presentationml/2006/main">
-  <p:cSld>
-    <p:spTree>
-      <p:nvGrpSpPr>
-        <p:cNvPr id="1" name=""/>
-        <p:cNvGrpSpPr/>
-        <p:nvPr/>
-      </p:nvGrpSpPr>
-      <p:grpSpPr>
-        <a:xfrm>
-          <a:off x="0" y="0"/>
-          <a:ext cx="0" cy="0"/>
-          <a:chOff x="0" y="0"/>
-          <a:chExt cx="0" cy="0"/>
-        </a:xfrm>
-      </p:grpSpPr>
-      <p:sp>
-        <p:nvSpPr>
-          <p:cNvPr id="2" name="Title 1"/>
-          <p:cNvSpPr>
-            <a:spLocks noGrp="1"/>
-          </p:cNvSpPr>
-          <p:nvPr>
-            <p:ph type="title" idx="4294967295"/>
-          </p:nvPr>
-        </p:nvSpPr>
-        <p:spPr>
-          <a:xfrm>
-            <a:off x="0" y="682625"/>
-            <a:ext cx="6210300" cy="1008063"/>
-          </a:xfrm>
-        </p:spPr>
-        <p:txBody>
-          <a:bodyPr/>
-          <a:lstStyle/>
-          <a:p>
-            <a:r>
-              <a:rPr lang="en-US" dirty="0" smtClean="0"/>
-              <a:t>Wrap up</a:t>
-            </a:r>
-            <a:endParaRPr lang="en-US" dirty="0"/>
-          </a:p>
-        </p:txBody>
-      </p:sp>
-      <p:sp>
-        <p:nvSpPr>
-          <p:cNvPr id="4" name="Slide Number Placeholder 3"/>
-          <p:cNvSpPr>
-            <a:spLocks noGrp="1"/>
-          </p:cNvSpPr>
-          <p:nvPr>
-            <p:ph type="sldNum" sz="quarter" idx="4294967295"/>
-          </p:nvPr>
-        </p:nvSpPr>
-        <p:spPr>
-          <a:xfrm>
-            <a:off x="8742363" y="6335713"/>
-            <a:ext cx="401637" cy="365125"/>
-          </a:xfrm>
-        </p:spPr>
-        <p:txBody>
-          <a:bodyPr/>
-          <a:lstStyle/>
-          <a:p>
-            <a:fld id="{DCFE8AC6-424E-904F-AE4A-648F5E9D72F5}" type="slidenum">
-              <a:rPr lang="en-US" smtClean="0"/>
-              <a:pPr/>
-              <a:t>10</a:t>
-            </a:fld>
-            <a:endParaRPr lang="en-US" dirty="0"/>
-          </a:p>
-        </p:txBody>
-      </p:sp>
-      <p:sp>
-        <p:nvSpPr>
-          <p:cNvPr id="5" name="TextBox 4"/>
-          <p:cNvSpPr txBox="1"/>
-          <p:nvPr/>
-        </p:nvSpPr>
-        <p:spPr>
-          <a:xfrm>
-            <a:off x="1820488" y="682625"/>
-            <a:ext cx="4197928" cy="1569660"/>
-          </a:xfrm>
-          <a:prstGeom prst="rect">
-            <a:avLst/>
-          </a:prstGeom>
-          <a:noFill/>
-        </p:spPr>
-        <p:txBody>
-          <a:bodyPr wrap="square" rtlCol="0">
-            <a:spAutoFit/>
-          </a:bodyPr>
-          <a:lstStyle/>
-          <a:p>
-            <a:r>
-              <a:rPr lang="en-US" sz="9600" b="1" dirty="0" smtClean="0">
-                <a:solidFill>
-                  <a:schemeClr val="bg1"/>
-                </a:solidFill>
-                <a:latin typeface="Lucida Calligraphy" panose="03010101010101010101" pitchFamily="66" charset="0"/>
-              </a:rPr>
-              <a:t>FIN</a:t>
-            </a:r>
-            <a:endParaRPr lang="en-US" sz="9600" b="1" dirty="0">
-              <a:solidFill>
-                <a:schemeClr val="bg1"/>
-              </a:solidFill>
-              <a:latin typeface="Lucida Calligraphy" panose="03010101010101010101" pitchFamily="66" charset="0"/>
-            </a:endParaRPr>
-          </a:p>
-        </p:txBody>
-      </p:sp>
-    </p:spTree>
-    <p:extLst>
-      <p:ext uri="{BB962C8B-B14F-4D97-AF65-F5344CB8AC3E}">
-        <p14:creationId xmlns:p14="http://schemas.microsoft.com/office/powerpoint/2010/main" val="3620566938"/>
-      </p:ext>
-    </p:extLst>
-  </p:cSld>
-  <p:clrMapOvr>
-    <a:masterClrMapping/>
-  </p:clrMapOvr>
 </p:sld>
 </file>
 
@@ -5563,34 +5427,13 @@
           <a:p>
             <a:r>
               <a:rPr lang="en-US" dirty="0" smtClean="0"/>
-              <a:t>Dijkstra’s algorithm has been used in the past to </a:t>
-            </a:r>
+              <a:t>Dijkstra’s algorithm has been used in the past to simplify city transportation routes and maps, by finding the quickest route from point A to point B</a:t>
+            </a:r>
+          </a:p>
+          <a:p>
             <a:r>
               <a:rPr lang="en-US" dirty="0" smtClean="0"/>
-              <a:t>simplify city </a:t>
-            </a:r>
-            <a:r>
-              <a:rPr lang="en-US" dirty="0" smtClean="0"/>
-              <a:t>transportation routes and </a:t>
-            </a:r>
-            <a:r>
-              <a:rPr lang="en-US" dirty="0" smtClean="0"/>
-              <a:t>maps, by finding the quickes</a:t>
-            </a:r>
-            <a:r>
-              <a:rPr lang="en-US" dirty="0" smtClean="0"/>
-              <a:t>t route from point A to point B</a:t>
-            </a:r>
-            <a:endParaRPr lang="en-US" dirty="0" smtClean="0"/>
-          </a:p>
-          <a:p>
-            <a:r>
-              <a:rPr lang="en-US" dirty="0" smtClean="0"/>
-              <a:t>Dijkstra’s run time is O(M*N</a:t>
-            </a:r>
-            <a:r>
-              <a:rPr lang="en-US" dirty="0" smtClean="0"/>
-              <a:t>) </a:t>
+              <a:t>Dijkstra’s run time is O(M*N) </a:t>
             </a:r>
           </a:p>
           <a:p>
@@ -5604,7 +5447,6 @@
               <a:rPr lang="en-US" dirty="0" smtClean="0"/>
               <a:t>M = number of edges</a:t>
             </a:r>
-            <a:endParaRPr lang="en-US" dirty="0" smtClean="0"/>
           </a:p>
           <a:p>
             <a:endParaRPr lang="en-US" dirty="0" smtClean="0"/>
@@ -5734,31 +5576,17 @@
               <a:rPr lang="en-US" dirty="0" smtClean="0"/>
               <a:t>algorithm</a:t>
             </a:r>
-            <a:endParaRPr lang="en-US" dirty="0" smtClean="0"/>
           </a:p>
           <a:p>
             <a:r>
               <a:rPr lang="en-US" dirty="0" smtClean="0"/>
-              <a:t>We decided to find the shortest path </a:t>
-            </a:r>
+              <a:t>We decided to find the shortest path from every node to every other node</a:t>
+            </a:r>
+          </a:p>
+          <a:p>
             <a:r>
               <a:rPr lang="en-US" dirty="0" smtClean="0"/>
-              <a:t>from every node to every other node</a:t>
-            </a:r>
-            <a:endParaRPr lang="en-US" dirty="0" smtClean="0"/>
-          </a:p>
-          <a:p>
-            <a:r>
-              <a:rPr lang="en-US" dirty="0" smtClean="0"/>
-              <a:t>Our run time is O(M*N^2</a:t>
-            </a:r>
-            <a:r>
-              <a:rPr lang="en-US" dirty="0" smtClean="0"/>
-              <a:t>),</a:t>
-            </a:r>
-            <a:r>
-              <a:rPr lang="en-US" dirty="0" smtClean="0"/>
-              <a:t> since Dijkstra’s is running N amount of times</a:t>
+              <a:t>Our run time is O(M*N^2), since Dijkstra’s is running N amount of times</a:t>
             </a:r>
           </a:p>
           <a:p>
@@ -5855,25 +5683,6 @@
       </p:sp>
       <p:sp>
         <p:nvSpPr>
-          <p:cNvPr id="3" name="Content Placeholder 2"/>
-          <p:cNvSpPr>
-            <a:spLocks noGrp="1"/>
-          </p:cNvSpPr>
-          <p:nvPr>
-            <p:ph idx="1"/>
-          </p:nvPr>
-        </p:nvSpPr>
-        <p:spPr/>
-        <p:txBody>
-          <a:bodyPr/>
-          <a:lstStyle/>
-          <a:p>
-            <a:endParaRPr lang="en-US" dirty="0"/>
-          </a:p>
-        </p:txBody>
-      </p:sp>
-      <p:sp>
-        <p:nvSpPr>
           <p:cNvPr id="4" name="Slide Number Placeholder 3"/>
           <p:cNvSpPr>
             <a:spLocks noGrp="1"/>
@@ -5896,6 +5705,35 @@
           </a:p>
         </p:txBody>
       </p:sp>
+      <p:pic>
+        <p:nvPicPr>
+          <p:cNvPr id="7" name="Content Placeholder 6"/>
+          <p:cNvPicPr>
+            <a:picLocks noGrp="1" noChangeAspect="1"/>
+          </p:cNvPicPr>
+          <p:nvPr>
+            <p:ph idx="1"/>
+          </p:nvPr>
+        </p:nvPicPr>
+        <p:blipFill>
+          <a:blip r:embed="rId2">
+            <a:extLst>
+              <a:ext uri="{28A0092B-C50C-407E-A947-70E740481C1C}">
+                <a14:useLocalDpi xmlns:a14="http://schemas.microsoft.com/office/drawing/2010/main" val="0"/>
+              </a:ext>
+            </a:extLst>
+          </a:blip>
+          <a:stretch>
+            <a:fillRect/>
+          </a:stretch>
+        </p:blipFill>
+        <p:spPr>
+          <a:xfrm>
+            <a:off x="501649" y="2630611"/>
+            <a:ext cx="8213783" cy="2250481"/>
+          </a:xfrm>
+        </p:spPr>
+      </p:pic>
     </p:spTree>
     <p:extLst>
       <p:ext uri="{BB962C8B-B14F-4D97-AF65-F5344CB8AC3E}">
@@ -5978,27 +5816,7 @@
           <a:p>
             <a:r>
               <a:rPr lang="en-US" dirty="0" smtClean="0"/>
-              <a:t>Frees up more </a:t>
-            </a:r>
-            <a:r>
-              <a:rPr lang="en-US" dirty="0" smtClean="0"/>
-              <a:t>computing </a:t>
-            </a:r>
-            <a:r>
-              <a:rPr lang="en-US" dirty="0" smtClean="0"/>
-              <a:t>power to be </a:t>
-            </a:r>
-            <a:r>
-              <a:rPr lang="en-US" dirty="0" smtClean="0"/>
-              <a:t>used</a:t>
-            </a:r>
-            <a:r>
-              <a:rPr lang="en-US" dirty="0" smtClean="0"/>
-              <a:t> </a:t>
-            </a:r>
-            <a:r>
-              <a:rPr lang="en-US" dirty="0" smtClean="0"/>
-              <a:t>elsewhere</a:t>
+              <a:t>Frees up more computing power to be used elsewhere</a:t>
             </a:r>
           </a:p>
           <a:p>
@@ -6223,32 +6041,46 @@
           <a:lstStyle/>
           <a:p>
             <a:r>
+              <a:rPr lang="en-US" dirty="0"/>
+              <a:t>R</a:t>
+            </a:r>
+            <a:r>
               <a:rPr lang="en-US" dirty="0" smtClean="0"/>
-              <a:t>Serial results</a:t>
+              <a:t>esults</a:t>
             </a:r>
             <a:endParaRPr lang="en-US" dirty="0"/>
           </a:p>
         </p:txBody>
       </p:sp>
-      <p:sp>
-        <p:nvSpPr>
-          <p:cNvPr id="3" name="Content Placeholder 2"/>
-          <p:cNvSpPr>
-            <a:spLocks noGrp="1"/>
-          </p:cNvSpPr>
+      <p:pic>
+        <p:nvPicPr>
+          <p:cNvPr id="5" name="Content Placeholder 4"/>
+          <p:cNvPicPr>
+            <a:picLocks noGrp="1" noChangeAspect="1"/>
+          </p:cNvPicPr>
           <p:nvPr>
             <p:ph idx="1"/>
           </p:nvPr>
-        </p:nvSpPr>
-        <p:spPr/>
-        <p:txBody>
-          <a:bodyPr/>
-          <a:lstStyle/>
-          <a:p>
-            <a:endParaRPr lang="en-US"/>
-          </a:p>
-        </p:txBody>
-      </p:sp>
+        </p:nvPicPr>
+        <p:blipFill>
+          <a:blip r:embed="rId2">
+            <a:extLst>
+              <a:ext uri="{28A0092B-C50C-407E-A947-70E740481C1C}">
+                <a14:useLocalDpi xmlns:a14="http://schemas.microsoft.com/office/drawing/2010/main" val="0"/>
+              </a:ext>
+            </a:extLst>
+          </a:blip>
+          <a:stretch>
+            <a:fillRect/>
+          </a:stretch>
+        </p:blipFill>
+        <p:spPr>
+          <a:xfrm>
+            <a:off x="1537894" y="1465017"/>
+            <a:ext cx="6743222" cy="4320787"/>
+          </a:xfrm>
+        </p:spPr>
+      </p:pic>
       <p:sp>
         <p:nvSpPr>
           <p:cNvPr id="4" name="Slide Number Placeholder 3"/>
@@ -6310,38 +6142,24 @@
             <a:spLocks noGrp="1"/>
           </p:cNvSpPr>
           <p:nvPr>
-            <p:ph type="title"/>
+            <p:ph type="title" idx="4294967295"/>
           </p:nvPr>
         </p:nvSpPr>
-        <p:spPr/>
+        <p:spPr>
+          <a:xfrm>
+            <a:off x="0" y="682625"/>
+            <a:ext cx="6210300" cy="1008063"/>
+          </a:xfrm>
+        </p:spPr>
         <p:txBody>
           <a:bodyPr/>
           <a:lstStyle/>
           <a:p>
             <a:r>
               <a:rPr lang="en-US" dirty="0" smtClean="0"/>
-              <a:t>Parallel results</a:t>
+              <a:t>Wrap up</a:t>
             </a:r>
             <a:endParaRPr lang="en-US" dirty="0"/>
-          </a:p>
-        </p:txBody>
-      </p:sp>
-      <p:sp>
-        <p:nvSpPr>
-          <p:cNvPr id="3" name="Content Placeholder 2"/>
-          <p:cNvSpPr>
-            <a:spLocks noGrp="1"/>
-          </p:cNvSpPr>
-          <p:nvPr>
-            <p:ph idx="1"/>
-          </p:nvPr>
-        </p:nvSpPr>
-        <p:spPr/>
-        <p:txBody>
-          <a:bodyPr/>
-          <a:lstStyle/>
-          <a:p>
-            <a:endParaRPr lang="en-US"/>
           </a:p>
         </p:txBody>
       </p:sp>
@@ -6352,10 +6170,15 @@
             <a:spLocks noGrp="1"/>
           </p:cNvSpPr>
           <p:nvPr>
-            <p:ph type="sldNum" sz="quarter" idx="12"/>
+            <p:ph type="sldNum" sz="quarter" idx="4294967295"/>
           </p:nvPr>
         </p:nvSpPr>
-        <p:spPr/>
+        <p:spPr>
+          <a:xfrm>
+            <a:off x="8742363" y="6335713"/>
+            <a:ext cx="401637" cy="365125"/>
+          </a:xfrm>
+        </p:spPr>
         <p:txBody>
           <a:bodyPr/>
           <a:lstStyle/>
@@ -6366,13 +6189,53 @@
               <a:t>9</a:t>
             </a:fld>
             <a:endParaRPr lang="en-US" dirty="0"/>
+          </a:p>
+        </p:txBody>
+      </p:sp>
+      <p:sp>
+        <p:nvSpPr>
+          <p:cNvPr id="5" name="TextBox 4"/>
+          <p:cNvSpPr txBox="1"/>
+          <p:nvPr/>
+        </p:nvSpPr>
+        <p:spPr>
+          <a:xfrm>
+            <a:off x="1820488" y="682625"/>
+            <a:ext cx="4197928" cy="1569660"/>
+          </a:xfrm>
+          <a:prstGeom prst="rect">
+            <a:avLst/>
+          </a:prstGeom>
+          <a:noFill/>
+        </p:spPr>
+        <p:txBody>
+          <a:bodyPr wrap="square" rtlCol="0">
+            <a:spAutoFit/>
+          </a:bodyPr>
+          <a:lstStyle/>
+          <a:p>
+            <a:r>
+              <a:rPr lang="en-US" sz="9600" b="1" dirty="0" smtClean="0">
+                <a:solidFill>
+                  <a:schemeClr val="bg1"/>
+                </a:solidFill>
+                <a:latin typeface="Lucida Calligraphy" panose="03010101010101010101" pitchFamily="66" charset="0"/>
+              </a:rPr>
+              <a:t>FIN</a:t>
+            </a:r>
+            <a:endParaRPr lang="en-US" sz="9600" b="1" dirty="0">
+              <a:solidFill>
+                <a:schemeClr val="bg1"/>
+              </a:solidFill>
+              <a:latin typeface="Lucida Calligraphy" panose="03010101010101010101" pitchFamily="66" charset="0"/>
+            </a:endParaRPr>
           </a:p>
         </p:txBody>
       </p:sp>
     </p:spTree>
     <p:extLst>
       <p:ext uri="{BB962C8B-B14F-4D97-AF65-F5344CB8AC3E}">
-        <p14:creationId xmlns:p14="http://schemas.microsoft.com/office/powerpoint/2010/main" val="3159767453"/>
+        <p14:creationId xmlns:p14="http://schemas.microsoft.com/office/powerpoint/2010/main" val="3620566938"/>
       </p:ext>
     </p:extLst>
   </p:cSld>

--- a/Parallelizing Dijkstras Algorithm.pptx
+++ b/Parallelizing Dijkstras Algorithm.pptx
@@ -6200,7 +6200,7 @@
         </p:nvSpPr>
         <p:spPr>
           <a:xfrm>
-            <a:off x="1820488" y="682625"/>
+            <a:off x="1831374" y="682625"/>
             <a:ext cx="4197928" cy="1569660"/>
           </a:xfrm>
           <a:prstGeom prst="rect">
@@ -6215,13 +6215,13 @@
           <a:lstStyle/>
           <a:p>
             <a:r>
-              <a:rPr lang="en-US" sz="9600" b="1" dirty="0" smtClean="0">
+              <a:rPr lang="en-US" sz="9600" b="1" smtClean="0">
                 <a:solidFill>
                   <a:schemeClr val="bg1"/>
                 </a:solidFill>
                 <a:latin typeface="Lucida Calligraphy" panose="03010101010101010101" pitchFamily="66" charset="0"/>
               </a:rPr>
-              <a:t>FIN</a:t>
+              <a:t>	FIN</a:t>
             </a:r>
             <a:endParaRPr lang="en-US" sz="9600" b="1" dirty="0">
               <a:solidFill>

--- a/Parallelizing Dijkstras Algorithm.pptx
+++ b/Parallelizing Dijkstras Algorithm.pptx
@@ -5,18 +5,19 @@
     <p:sldMasterId id="2147483648" r:id="rId1"/>
   </p:sldMasterIdLst>
   <p:notesMasterIdLst>
-    <p:notesMasterId r:id="rId11"/>
+    <p:notesMasterId r:id="rId12"/>
   </p:notesMasterIdLst>
   <p:sldIdLst>
     <p:sldId id="256" r:id="rId2"/>
     <p:sldId id="257" r:id="rId3"/>
     <p:sldId id="258" r:id="rId4"/>
     <p:sldId id="259" r:id="rId5"/>
-    <p:sldId id="265" r:id="rId6"/>
-    <p:sldId id="260" r:id="rId7"/>
-    <p:sldId id="261" r:id="rId8"/>
-    <p:sldId id="262" r:id="rId9"/>
-    <p:sldId id="264" r:id="rId10"/>
+    <p:sldId id="266" r:id="rId6"/>
+    <p:sldId id="265" r:id="rId7"/>
+    <p:sldId id="260" r:id="rId8"/>
+    <p:sldId id="261" r:id="rId9"/>
+    <p:sldId id="262" r:id="rId10"/>
+    <p:sldId id="264" r:id="rId11"/>
   </p:sldIdLst>
   <p:sldSz cx="9144000" cy="6858000" type="screen4x3"/>
   <p:notesSz cx="6858000" cy="9144000"/>
@@ -124,6 +125,18 @@
     </p:ext>
   </p:extLst>
 </p:presentation>
+</file>
+
+<file path=ppt/commentAuthors.xml><?xml version="1.0" encoding="utf-8"?>
+<p:cmAuthorLst xmlns:a="http://schemas.openxmlformats.org/drawingml/2006/main" xmlns:r="http://schemas.openxmlformats.org/officeDocument/2006/relationships" xmlns:p="http://schemas.openxmlformats.org/presentationml/2006/main">
+  <p:cmAuthor id="1" name="McCoy, Timothy I" initials="MTI" lastIdx="1" clrIdx="0">
+    <p:extLst>
+      <p:ext uri="{19B8F6BF-5375-455C-9EA6-DF929625EA0E}">
+        <p15:presenceInfo xmlns:p15="http://schemas.microsoft.com/office/powerpoint/2012/main" userId="" providerId=""/>
+      </p:ext>
+    </p:extLst>
+  </p:cmAuthor>
+</p:cmAuthorLst>
 </file>
 
 <file path=ppt/notesMasters/notesMaster1.xml><?xml version="1.0" encoding="utf-8"?>
@@ -5243,6 +5256,133 @@
 </p:sld>
 </file>
 
+<file path=ppt/slides/slide10.xml><?xml version="1.0" encoding="utf-8"?>
+<p:sld xmlns:a="http://schemas.openxmlformats.org/drawingml/2006/main" xmlns:r="http://schemas.openxmlformats.org/officeDocument/2006/relationships" xmlns:p="http://schemas.openxmlformats.org/presentationml/2006/main">
+  <p:cSld>
+    <p:spTree>
+      <p:nvGrpSpPr>
+        <p:cNvPr id="1" name=""/>
+        <p:cNvGrpSpPr/>
+        <p:nvPr/>
+      </p:nvGrpSpPr>
+      <p:grpSpPr>
+        <a:xfrm>
+          <a:off x="0" y="0"/>
+          <a:ext cx="0" cy="0"/>
+          <a:chOff x="0" y="0"/>
+          <a:chExt cx="0" cy="0"/>
+        </a:xfrm>
+      </p:grpSpPr>
+      <p:sp>
+        <p:nvSpPr>
+          <p:cNvPr id="2" name="Title 1"/>
+          <p:cNvSpPr>
+            <a:spLocks noGrp="1"/>
+          </p:cNvSpPr>
+          <p:nvPr>
+            <p:ph type="title" idx="4294967295"/>
+          </p:nvPr>
+        </p:nvSpPr>
+        <p:spPr>
+          <a:xfrm>
+            <a:off x="0" y="682625"/>
+            <a:ext cx="6210300" cy="1008063"/>
+          </a:xfrm>
+        </p:spPr>
+        <p:txBody>
+          <a:bodyPr/>
+          <a:lstStyle/>
+          <a:p>
+            <a:r>
+              <a:rPr lang="en-US" dirty="0" smtClean="0"/>
+              <a:t>Wrap up</a:t>
+            </a:r>
+            <a:endParaRPr lang="en-US" dirty="0"/>
+          </a:p>
+        </p:txBody>
+      </p:sp>
+      <p:sp>
+        <p:nvSpPr>
+          <p:cNvPr id="4" name="Slide Number Placeholder 3"/>
+          <p:cNvSpPr>
+            <a:spLocks noGrp="1"/>
+          </p:cNvSpPr>
+          <p:nvPr>
+            <p:ph type="sldNum" sz="quarter" idx="4294967295"/>
+          </p:nvPr>
+        </p:nvSpPr>
+        <p:spPr>
+          <a:xfrm>
+            <a:off x="8742363" y="6335713"/>
+            <a:ext cx="401637" cy="365125"/>
+          </a:xfrm>
+        </p:spPr>
+        <p:txBody>
+          <a:bodyPr/>
+          <a:lstStyle/>
+          <a:p>
+            <a:fld id="{DCFE8AC6-424E-904F-AE4A-648F5E9D72F5}" type="slidenum">
+              <a:rPr lang="en-US" smtClean="0"/>
+              <a:pPr/>
+              <a:t>10</a:t>
+            </a:fld>
+            <a:endParaRPr lang="en-US" dirty="0"/>
+          </a:p>
+        </p:txBody>
+      </p:sp>
+      <p:sp>
+        <p:nvSpPr>
+          <p:cNvPr id="5" name="TextBox 4"/>
+          <p:cNvSpPr txBox="1"/>
+          <p:nvPr/>
+        </p:nvSpPr>
+        <p:spPr>
+          <a:xfrm>
+            <a:off x="1831374" y="682625"/>
+            <a:ext cx="4197928" cy="1569660"/>
+          </a:xfrm>
+          <a:prstGeom prst="rect">
+            <a:avLst/>
+          </a:prstGeom>
+          <a:noFill/>
+        </p:spPr>
+        <p:txBody>
+          <a:bodyPr wrap="square" rtlCol="0">
+            <a:spAutoFit/>
+          </a:bodyPr>
+          <a:lstStyle/>
+          <a:p>
+            <a:r>
+              <a:rPr lang="en-US" sz="9600" b="1" smtClean="0">
+                <a:solidFill>
+                  <a:schemeClr val="bg1"/>
+                </a:solidFill>
+                <a:latin typeface="Lucida Calligraphy" panose="03010101010101010101" pitchFamily="66" charset="0"/>
+              </a:rPr>
+              <a:t>	FIN</a:t>
+            </a:r>
+            <a:endParaRPr lang="en-US" sz="9600" b="1" dirty="0">
+              <a:solidFill>
+                <a:schemeClr val="bg1"/>
+              </a:solidFill>
+              <a:latin typeface="Lucida Calligraphy" panose="03010101010101010101" pitchFamily="66" charset="0"/>
+            </a:endParaRPr>
+          </a:p>
+        </p:txBody>
+      </p:sp>
+    </p:spTree>
+    <p:extLst>
+      <p:ext uri="{BB962C8B-B14F-4D97-AF65-F5344CB8AC3E}">
+        <p14:creationId xmlns:p14="http://schemas.microsoft.com/office/powerpoint/2010/main" val="3620566938"/>
+      </p:ext>
+    </p:extLst>
+  </p:cSld>
+  <p:clrMapOvr>
+    <a:masterClrMapping/>
+  </p:clrMapOvr>
+</p:sld>
+</file>
+
 <file path=ppt/slides/slide2.xml><?xml version="1.0" encoding="utf-8"?>
 <p:sld xmlns:a="http://schemas.openxmlformats.org/drawingml/2006/main" xmlns:r="http://schemas.openxmlformats.org/officeDocument/2006/relationships" xmlns:p="http://schemas.openxmlformats.org/presentationml/2006/main">
   <p:cSld>
@@ -5675,39 +5815,15 @@
           <a:p>
             <a:r>
               <a:rPr lang="en-US" dirty="0" smtClean="0"/>
-              <a:t>Screenshot of output</a:t>
-            </a:r>
-            <a:endParaRPr lang="en-US" dirty="0"/>
-          </a:p>
-        </p:txBody>
-      </p:sp>
-      <p:sp>
-        <p:nvSpPr>
-          <p:cNvPr id="4" name="Slide Number Placeholder 3"/>
-          <p:cNvSpPr>
-            <a:spLocks noGrp="1"/>
-          </p:cNvSpPr>
-          <p:nvPr>
-            <p:ph type="sldNum" sz="quarter" idx="12"/>
-          </p:nvPr>
-        </p:nvSpPr>
-        <p:spPr/>
-        <p:txBody>
-          <a:bodyPr/>
-          <a:lstStyle/>
-          <a:p>
-            <a:fld id="{DCFE8AC6-424E-904F-AE4A-648F5E9D72F5}" type="slidenum">
-              <a:rPr lang="en-US" smtClean="0"/>
-              <a:pPr/>
-              <a:t>5</a:t>
-            </a:fld>
+              <a:t>Input File</a:t>
+            </a:r>
             <a:endParaRPr lang="en-US" dirty="0"/>
           </a:p>
         </p:txBody>
       </p:sp>
       <p:pic>
         <p:nvPicPr>
-          <p:cNvPr id="7" name="Content Placeholder 6"/>
+          <p:cNvPr id="5" name="Content Placeholder 4"/>
           <p:cNvPicPr>
             <a:picLocks noGrp="1" noChangeAspect="1"/>
           </p:cNvPicPr>
@@ -5729,15 +5845,39 @@
         </p:blipFill>
         <p:spPr>
           <a:xfrm>
-            <a:off x="501649" y="2630611"/>
-            <a:ext cx="8213783" cy="2250481"/>
+            <a:off x="502165" y="1690689"/>
+            <a:ext cx="7682230" cy="3945316"/>
           </a:xfrm>
         </p:spPr>
       </p:pic>
+      <p:sp>
+        <p:nvSpPr>
+          <p:cNvPr id="4" name="Slide Number Placeholder 3"/>
+          <p:cNvSpPr>
+            <a:spLocks noGrp="1"/>
+          </p:cNvSpPr>
+          <p:nvPr>
+            <p:ph type="sldNum" sz="quarter" idx="12"/>
+          </p:nvPr>
+        </p:nvSpPr>
+        <p:spPr/>
+        <p:txBody>
+          <a:bodyPr/>
+          <a:lstStyle/>
+          <a:p>
+            <a:fld id="{DCFE8AC6-424E-904F-AE4A-648F5E9D72F5}" type="slidenum">
+              <a:rPr lang="en-US" smtClean="0"/>
+              <a:pPr/>
+              <a:t>5</a:t>
+            </a:fld>
+            <a:endParaRPr lang="en-US" dirty="0"/>
+          </a:p>
+        </p:txBody>
+      </p:sp>
     </p:spTree>
     <p:extLst>
       <p:ext uri="{BB962C8B-B14F-4D97-AF65-F5344CB8AC3E}">
-        <p14:creationId xmlns:p14="http://schemas.microsoft.com/office/powerpoint/2010/main" val="1168081259"/>
+        <p14:creationId xmlns:p14="http://schemas.microsoft.com/office/powerpoint/2010/main" val="389860736"/>
       </p:ext>
     </p:extLst>
   </p:cSld>
@@ -5781,45 +5921,8 @@
           <a:p>
             <a:r>
               <a:rPr lang="en-US" dirty="0" smtClean="0"/>
-              <a:t>Benefits of Parallelization</a:t>
-            </a:r>
-            <a:endParaRPr lang="en-US" dirty="0"/>
-          </a:p>
-        </p:txBody>
-      </p:sp>
-      <p:sp>
-        <p:nvSpPr>
-          <p:cNvPr id="3" name="Content Placeholder 2"/>
-          <p:cNvSpPr>
-            <a:spLocks noGrp="1"/>
-          </p:cNvSpPr>
-          <p:nvPr>
-            <p:ph idx="1"/>
-          </p:nvPr>
-        </p:nvSpPr>
-        <p:spPr/>
-        <p:txBody>
-          <a:bodyPr/>
-          <a:lstStyle/>
-          <a:p>
-            <a:r>
-              <a:rPr lang="en-US" dirty="0" smtClean="0"/>
-              <a:t>Makes it faster</a:t>
-            </a:r>
-          </a:p>
-          <a:p>
-            <a:r>
-              <a:rPr lang="en-US" dirty="0" smtClean="0"/>
-              <a:t>Allows for larger problem sets to be solved</a:t>
-            </a:r>
-          </a:p>
-          <a:p>
-            <a:r>
-              <a:rPr lang="en-US" dirty="0" smtClean="0"/>
-              <a:t>Frees up more computing power to be used elsewhere</a:t>
-            </a:r>
-          </a:p>
-          <a:p>
+              <a:t>Screenshot of output</a:t>
+            </a:r>
             <a:endParaRPr lang="en-US" dirty="0"/>
           </a:p>
         </p:txBody>
@@ -5848,23 +5951,45 @@
           </a:p>
         </p:txBody>
       </p:sp>
+      <p:pic>
+        <p:nvPicPr>
+          <p:cNvPr id="7" name="Content Placeholder 6"/>
+          <p:cNvPicPr>
+            <a:picLocks noGrp="1" noChangeAspect="1"/>
+          </p:cNvPicPr>
+          <p:nvPr>
+            <p:ph idx="1"/>
+          </p:nvPr>
+        </p:nvPicPr>
+        <p:blipFill>
+          <a:blip r:embed="rId2">
+            <a:extLst>
+              <a:ext uri="{28A0092B-C50C-407E-A947-70E740481C1C}">
+                <a14:useLocalDpi xmlns:a14="http://schemas.microsoft.com/office/drawing/2010/main" val="0"/>
+              </a:ext>
+            </a:extLst>
+          </a:blip>
+          <a:stretch>
+            <a:fillRect/>
+          </a:stretch>
+        </p:blipFill>
+        <p:spPr>
+          <a:xfrm>
+            <a:off x="501649" y="2630611"/>
+            <a:ext cx="8213783" cy="2250481"/>
+          </a:xfrm>
+        </p:spPr>
+      </p:pic>
     </p:spTree>
     <p:extLst>
       <p:ext uri="{BB962C8B-B14F-4D97-AF65-F5344CB8AC3E}">
-        <p14:creationId xmlns:p14="http://schemas.microsoft.com/office/powerpoint/2010/main" val="838312694"/>
+        <p14:creationId xmlns:p14="http://schemas.microsoft.com/office/powerpoint/2010/main" val="1168081259"/>
       </p:ext>
     </p:extLst>
   </p:cSld>
   <p:clrMapOvr>
     <a:masterClrMapping/>
   </p:clrMapOvr>
-  <p:timing>
-    <p:tnLst>
-      <p:par>
-        <p:cTn id="1" dur="indefinite" restart="never" nodeType="tmRoot"/>
-      </p:par>
-    </p:tnLst>
-  </p:timing>
 </p:sld>
 </file>
 
@@ -5902,7 +6027,7 @@
           <a:p>
             <a:r>
               <a:rPr lang="en-US" dirty="0" smtClean="0"/>
-              <a:t>How we parallelized it</a:t>
+              <a:t>Benefits of Parallelization</a:t>
             </a:r>
             <a:endParaRPr lang="en-US" dirty="0"/>
           </a:p>
@@ -5924,40 +6049,21 @@
           <a:lstStyle/>
           <a:p>
             <a:r>
-              <a:rPr lang="en-US" dirty="0"/>
-              <a:t>We are using Python m</a:t>
-            </a:r>
-            <a:r>
               <a:rPr lang="en-US" dirty="0" smtClean="0"/>
-              <a:t>ultiprocessing </a:t>
-            </a:r>
-            <a:r>
-              <a:rPr lang="en-US" dirty="0"/>
-              <a:t>to parallelize Dijkstra’s </a:t>
-            </a:r>
+              <a:t>Makes it faster</a:t>
+            </a:r>
+          </a:p>
+          <a:p>
             <a:r>
               <a:rPr lang="en-US" dirty="0" smtClean="0"/>
-              <a:t>algorithm</a:t>
+              <a:t>Allows for larger problem sets to be solved</a:t>
             </a:r>
           </a:p>
           <a:p>
             <a:r>
               <a:rPr lang="en-US" dirty="0" smtClean="0"/>
-              <a:t>N = number of nodes</a:t>
-            </a:r>
-          </a:p>
-          <a:p>
-            <a:r>
-              <a:rPr lang="en-US" dirty="0" smtClean="0"/>
-              <a:t>K = number of processors</a:t>
-            </a:r>
-          </a:p>
-          <a:p>
-            <a:r>
-              <a:rPr lang="en-US" dirty="0" smtClean="0"/>
-              <a:t>Each processor runs Dijkstra’s N / K amount of times, with a different start node each time</a:t>
-            </a:r>
-            <a:endParaRPr lang="en-US" dirty="0"/>
+              <a:t>Frees up more computing power to be used elsewhere</a:t>
+            </a:r>
           </a:p>
           <a:p>
             <a:endParaRPr lang="en-US" dirty="0"/>
@@ -5991,7 +6097,7 @@
     </p:spTree>
     <p:extLst>
       <p:ext uri="{BB962C8B-B14F-4D97-AF65-F5344CB8AC3E}">
-        <p14:creationId xmlns:p14="http://schemas.microsoft.com/office/powerpoint/2010/main" val="2085309129"/>
+        <p14:creationId xmlns:p14="http://schemas.microsoft.com/office/powerpoint/2010/main" val="838312694"/>
       </p:ext>
     </p:extLst>
   </p:cSld>
@@ -6041,46 +6147,69 @@
           <a:lstStyle/>
           <a:p>
             <a:r>
-              <a:rPr lang="en-US" dirty="0"/>
-              <a:t>R</a:t>
-            </a:r>
-            <a:r>
               <a:rPr lang="en-US" dirty="0" smtClean="0"/>
-              <a:t>esults</a:t>
+              <a:t>How we parallelized it</a:t>
             </a:r>
             <a:endParaRPr lang="en-US" dirty="0"/>
           </a:p>
         </p:txBody>
       </p:sp>
-      <p:pic>
-        <p:nvPicPr>
-          <p:cNvPr id="5" name="Content Placeholder 4"/>
-          <p:cNvPicPr>
-            <a:picLocks noGrp="1" noChangeAspect="1"/>
-          </p:cNvPicPr>
+      <p:sp>
+        <p:nvSpPr>
+          <p:cNvPr id="3" name="Content Placeholder 2"/>
+          <p:cNvSpPr>
+            <a:spLocks noGrp="1"/>
+          </p:cNvSpPr>
           <p:nvPr>
             <p:ph idx="1"/>
           </p:nvPr>
-        </p:nvPicPr>
-        <p:blipFill>
-          <a:blip r:embed="rId2">
-            <a:extLst>
-              <a:ext uri="{28A0092B-C50C-407E-A947-70E740481C1C}">
-                <a14:useLocalDpi xmlns:a14="http://schemas.microsoft.com/office/drawing/2010/main" val="0"/>
-              </a:ext>
-            </a:extLst>
-          </a:blip>
-          <a:stretch>
-            <a:fillRect/>
-          </a:stretch>
-        </p:blipFill>
-        <p:spPr>
-          <a:xfrm>
-            <a:off x="1537894" y="1465017"/>
-            <a:ext cx="6743222" cy="4320787"/>
-          </a:xfrm>
-        </p:spPr>
-      </p:pic>
+        </p:nvSpPr>
+        <p:spPr/>
+        <p:txBody>
+          <a:bodyPr/>
+          <a:lstStyle/>
+          <a:p>
+            <a:r>
+              <a:rPr lang="en-US" dirty="0"/>
+              <a:t>We are using Python m</a:t>
+            </a:r>
+            <a:r>
+              <a:rPr lang="en-US" dirty="0" smtClean="0"/>
+              <a:t>ultiprocessing </a:t>
+            </a:r>
+            <a:r>
+              <a:rPr lang="en-US" dirty="0"/>
+              <a:t>to parallelize Dijkstra’s </a:t>
+            </a:r>
+            <a:r>
+              <a:rPr lang="en-US" dirty="0" smtClean="0"/>
+              <a:t>algorithm</a:t>
+            </a:r>
+          </a:p>
+          <a:p>
+            <a:r>
+              <a:rPr lang="en-US" dirty="0" smtClean="0"/>
+              <a:t>N = number of nodes</a:t>
+            </a:r>
+          </a:p>
+          <a:p>
+            <a:r>
+              <a:rPr lang="en-US" dirty="0" smtClean="0"/>
+              <a:t>K = number of processors</a:t>
+            </a:r>
+          </a:p>
+          <a:p>
+            <a:r>
+              <a:rPr lang="en-US" dirty="0" smtClean="0"/>
+              <a:t>Each processor runs Dijkstra’s N / K amount of times, with a different start node each time</a:t>
+            </a:r>
+            <a:endParaRPr lang="en-US" dirty="0"/>
+          </a:p>
+          <a:p>
+            <a:endParaRPr lang="en-US" dirty="0"/>
+          </a:p>
+        </p:txBody>
+      </p:sp>
       <p:sp>
         <p:nvSpPr>
           <p:cNvPr id="4" name="Slide Number Placeholder 3"/>
@@ -6108,13 +6237,20 @@
     </p:spTree>
     <p:extLst>
       <p:ext uri="{BB962C8B-B14F-4D97-AF65-F5344CB8AC3E}">
-        <p14:creationId xmlns:p14="http://schemas.microsoft.com/office/powerpoint/2010/main" val="1602840120"/>
+        <p14:creationId xmlns:p14="http://schemas.microsoft.com/office/powerpoint/2010/main" val="2085309129"/>
       </p:ext>
     </p:extLst>
   </p:cSld>
   <p:clrMapOvr>
     <a:masterClrMapping/>
   </p:clrMapOvr>
+  <p:timing>
+    <p:tnLst>
+      <p:par>
+        <p:cTn id="1" dur="indefinite" restart="never" nodeType="tmRoot"/>
+      </p:par>
+    </p:tnLst>
+  </p:timing>
 </p:sld>
 </file>
 
@@ -6142,27 +6278,55 @@
             <a:spLocks noGrp="1"/>
           </p:cNvSpPr>
           <p:nvPr>
-            <p:ph type="title" idx="4294967295"/>
+            <p:ph type="title"/>
           </p:nvPr>
         </p:nvSpPr>
-        <p:spPr>
-          <a:xfrm>
-            <a:off x="0" y="682625"/>
-            <a:ext cx="6210300" cy="1008063"/>
-          </a:xfrm>
-        </p:spPr>
+        <p:spPr/>
         <p:txBody>
           <a:bodyPr/>
           <a:lstStyle/>
           <a:p>
             <a:r>
+              <a:rPr lang="en-US" dirty="0"/>
+              <a:t>R</a:t>
+            </a:r>
+            <a:r>
               <a:rPr lang="en-US" dirty="0" smtClean="0"/>
-              <a:t>Wrap up</a:t>
+              <a:t>esults</a:t>
             </a:r>
             <a:endParaRPr lang="en-US" dirty="0"/>
           </a:p>
         </p:txBody>
       </p:sp>
+      <p:pic>
+        <p:nvPicPr>
+          <p:cNvPr id="5" name="Content Placeholder 4"/>
+          <p:cNvPicPr>
+            <a:picLocks noGrp="1" noChangeAspect="1"/>
+          </p:cNvPicPr>
+          <p:nvPr>
+            <p:ph idx="1"/>
+          </p:nvPr>
+        </p:nvPicPr>
+        <p:blipFill>
+          <a:blip r:embed="rId2">
+            <a:extLst>
+              <a:ext uri="{28A0092B-C50C-407E-A947-70E740481C1C}">
+                <a14:useLocalDpi xmlns:a14="http://schemas.microsoft.com/office/drawing/2010/main" val="0"/>
+              </a:ext>
+            </a:extLst>
+          </a:blip>
+          <a:stretch>
+            <a:fillRect/>
+          </a:stretch>
+        </p:blipFill>
+        <p:spPr>
+          <a:xfrm>
+            <a:off x="1537894" y="1465017"/>
+            <a:ext cx="6743222" cy="4320787"/>
+          </a:xfrm>
+        </p:spPr>
+      </p:pic>
       <p:sp>
         <p:nvSpPr>
           <p:cNvPr id="4" name="Slide Number Placeholder 3"/>
@@ -6170,15 +6334,10 @@
             <a:spLocks noGrp="1"/>
           </p:cNvSpPr>
           <p:nvPr>
-            <p:ph type="sldNum" sz="quarter" idx="4294967295"/>
+            <p:ph type="sldNum" sz="quarter" idx="12"/>
           </p:nvPr>
         </p:nvSpPr>
-        <p:spPr>
-          <a:xfrm>
-            <a:off x="8742363" y="6335713"/>
-            <a:ext cx="401637" cy="365125"/>
-          </a:xfrm>
-        </p:spPr>
+        <p:spPr/>
         <p:txBody>
           <a:bodyPr/>
           <a:lstStyle/>
@@ -6189,53 +6348,13 @@
               <a:t>9</a:t>
             </a:fld>
             <a:endParaRPr lang="en-US" dirty="0"/>
-          </a:p>
-        </p:txBody>
-      </p:sp>
-      <p:sp>
-        <p:nvSpPr>
-          <p:cNvPr id="5" name="TextBox 4"/>
-          <p:cNvSpPr txBox="1"/>
-          <p:nvPr/>
-        </p:nvSpPr>
-        <p:spPr>
-          <a:xfrm>
-            <a:off x="1831374" y="682625"/>
-            <a:ext cx="4197928" cy="1569660"/>
-          </a:xfrm>
-          <a:prstGeom prst="rect">
-            <a:avLst/>
-          </a:prstGeom>
-          <a:noFill/>
-        </p:spPr>
-        <p:txBody>
-          <a:bodyPr wrap="square" rtlCol="0">
-            <a:spAutoFit/>
-          </a:bodyPr>
-          <a:lstStyle/>
-          <a:p>
-            <a:r>
-              <a:rPr lang="en-US" sz="9600" b="1" smtClean="0">
-                <a:solidFill>
-                  <a:schemeClr val="bg1"/>
-                </a:solidFill>
-                <a:latin typeface="Lucida Calligraphy" panose="03010101010101010101" pitchFamily="66" charset="0"/>
-              </a:rPr>
-              <a:t>	FIN</a:t>
-            </a:r>
-            <a:endParaRPr lang="en-US" sz="9600" b="1" dirty="0">
-              <a:solidFill>
-                <a:schemeClr val="bg1"/>
-              </a:solidFill>
-              <a:latin typeface="Lucida Calligraphy" panose="03010101010101010101" pitchFamily="66" charset="0"/>
-            </a:endParaRPr>
           </a:p>
         </p:txBody>
       </p:sp>
     </p:spTree>
     <p:extLst>
       <p:ext uri="{BB962C8B-B14F-4D97-AF65-F5344CB8AC3E}">
-        <p14:creationId xmlns:p14="http://schemas.microsoft.com/office/powerpoint/2010/main" val="3620566938"/>
+        <p14:creationId xmlns:p14="http://schemas.microsoft.com/office/powerpoint/2010/main" val="1602840120"/>
       </p:ext>
     </p:extLst>
   </p:cSld>

--- a/Parallelizing Dijkstras Algorithm.pptx
+++ b/Parallelizing Dijkstras Algorithm.pptx
@@ -5,7 +5,7 @@
     <p:sldMasterId id="2147483648" r:id="rId1"/>
   </p:sldMasterIdLst>
   <p:notesMasterIdLst>
-    <p:notesMasterId r:id="rId12"/>
+    <p:notesMasterId r:id="rId13"/>
   </p:notesMasterIdLst>
   <p:sldIdLst>
     <p:sldId id="256" r:id="rId2"/>
@@ -13,11 +13,12 @@
     <p:sldId id="258" r:id="rId4"/>
     <p:sldId id="259" r:id="rId5"/>
     <p:sldId id="266" r:id="rId6"/>
-    <p:sldId id="265" r:id="rId7"/>
-    <p:sldId id="260" r:id="rId8"/>
-    <p:sldId id="261" r:id="rId9"/>
-    <p:sldId id="262" r:id="rId10"/>
-    <p:sldId id="264" r:id="rId11"/>
+    <p:sldId id="267" r:id="rId7"/>
+    <p:sldId id="265" r:id="rId8"/>
+    <p:sldId id="260" r:id="rId9"/>
+    <p:sldId id="261" r:id="rId10"/>
+    <p:sldId id="262" r:id="rId11"/>
+    <p:sldId id="264" r:id="rId12"/>
   </p:sldIdLst>
   <p:sldSz cx="9144000" cy="6858000" type="screen4x3"/>
   <p:notesSz cx="6858000" cy="9144000"/>
@@ -130,11 +131,7 @@
 <file path=ppt/commentAuthors.xml><?xml version="1.0" encoding="utf-8"?>
 <p:cmAuthorLst xmlns:a="http://schemas.openxmlformats.org/drawingml/2006/main" xmlns:r="http://schemas.openxmlformats.org/officeDocument/2006/relationships" xmlns:p="http://schemas.openxmlformats.org/presentationml/2006/main">
   <p:cmAuthor id="1" name="McCoy, Timothy I" initials="MTI" lastIdx="1" clrIdx="0">
-    <p:extLst>
-      <p:ext uri="{19B8F6BF-5375-455C-9EA6-DF929625EA0E}">
-        <p15:presenceInfo xmlns:p15="http://schemas.microsoft.com/office/powerpoint/2012/main" userId="" providerId=""/>
-      </p:ext>
-    </p:extLst>
+    <p:extLst/>
   </p:cmAuthor>
 </p:cmAuthorLst>
 </file>
@@ -5280,6 +5277,116 @@
             <a:spLocks noGrp="1"/>
           </p:cNvSpPr>
           <p:nvPr>
+            <p:ph type="title"/>
+          </p:nvPr>
+        </p:nvSpPr>
+        <p:spPr/>
+        <p:txBody>
+          <a:bodyPr/>
+          <a:lstStyle/>
+          <a:p>
+            <a:r>
+              <a:rPr lang="en-US" dirty="0"/>
+              <a:t>R</a:t>
+            </a:r>
+            <a:r>
+              <a:rPr lang="en-US" dirty="0" smtClean="0"/>
+              <a:t>esults</a:t>
+            </a:r>
+            <a:endParaRPr lang="en-US" dirty="0"/>
+          </a:p>
+        </p:txBody>
+      </p:sp>
+      <p:pic>
+        <p:nvPicPr>
+          <p:cNvPr id="5" name="Content Placeholder 4"/>
+          <p:cNvPicPr>
+            <a:picLocks noGrp="1" noChangeAspect="1"/>
+          </p:cNvPicPr>
+          <p:nvPr>
+            <p:ph idx="1"/>
+          </p:nvPr>
+        </p:nvPicPr>
+        <p:blipFill>
+          <a:blip r:embed="rId2">
+            <a:extLst>
+              <a:ext uri="{28A0092B-C50C-407E-A947-70E740481C1C}">
+                <a14:useLocalDpi xmlns:a14="http://schemas.microsoft.com/office/drawing/2010/main" val="0"/>
+              </a:ext>
+            </a:extLst>
+          </a:blip>
+          <a:stretch>
+            <a:fillRect/>
+          </a:stretch>
+        </p:blipFill>
+        <p:spPr>
+          <a:xfrm>
+            <a:off x="1537894" y="1465017"/>
+            <a:ext cx="6743222" cy="4320787"/>
+          </a:xfrm>
+        </p:spPr>
+      </p:pic>
+      <p:sp>
+        <p:nvSpPr>
+          <p:cNvPr id="4" name="Slide Number Placeholder 3"/>
+          <p:cNvSpPr>
+            <a:spLocks noGrp="1"/>
+          </p:cNvSpPr>
+          <p:nvPr>
+            <p:ph type="sldNum" sz="quarter" idx="12"/>
+          </p:nvPr>
+        </p:nvSpPr>
+        <p:spPr/>
+        <p:txBody>
+          <a:bodyPr/>
+          <a:lstStyle/>
+          <a:p>
+            <a:fld id="{DCFE8AC6-424E-904F-AE4A-648F5E9D72F5}" type="slidenum">
+              <a:rPr lang="en-US" smtClean="0"/>
+              <a:pPr/>
+              <a:t>10</a:t>
+            </a:fld>
+            <a:endParaRPr lang="en-US" dirty="0"/>
+          </a:p>
+        </p:txBody>
+      </p:sp>
+    </p:spTree>
+    <p:extLst>
+      <p:ext uri="{BB962C8B-B14F-4D97-AF65-F5344CB8AC3E}">
+        <p14:creationId xmlns:p14="http://schemas.microsoft.com/office/powerpoint/2010/main" val="1602840120"/>
+      </p:ext>
+    </p:extLst>
+  </p:cSld>
+  <p:clrMapOvr>
+    <a:masterClrMapping/>
+  </p:clrMapOvr>
+</p:sld>
+</file>
+
+<file path=ppt/slides/slide11.xml><?xml version="1.0" encoding="utf-8"?>
+<p:sld xmlns:a="http://schemas.openxmlformats.org/drawingml/2006/main" xmlns:r="http://schemas.openxmlformats.org/officeDocument/2006/relationships" xmlns:p="http://schemas.openxmlformats.org/presentationml/2006/main">
+  <p:cSld>
+    <p:spTree>
+      <p:nvGrpSpPr>
+        <p:cNvPr id="1" name=""/>
+        <p:cNvGrpSpPr/>
+        <p:nvPr/>
+      </p:nvGrpSpPr>
+      <p:grpSpPr>
+        <a:xfrm>
+          <a:off x="0" y="0"/>
+          <a:ext cx="0" cy="0"/>
+          <a:chOff x="0" y="0"/>
+          <a:chExt cx="0" cy="0"/>
+        </a:xfrm>
+      </p:grpSpPr>
+      <p:sp>
+        <p:nvSpPr>
+          <p:cNvPr id="2" name="Title 1"/>
+          <p:cNvSpPr>
+            <a:spLocks noGrp="1"/>
+          </p:cNvSpPr>
+          <p:nvPr>
             <p:ph type="title" idx="4294967295"/>
           </p:nvPr>
         </p:nvSpPr>
@@ -5324,7 +5431,7 @@
             <a:fld id="{DCFE8AC6-424E-904F-AE4A-648F5E9D72F5}" type="slidenum">
               <a:rPr lang="en-US" smtClean="0"/>
               <a:pPr/>
-              <a:t>10</a:t>
+              <a:t>11</a:t>
             </a:fld>
             <a:endParaRPr lang="en-US" dirty="0"/>
           </a:p>
@@ -5821,9 +5928,33 @@
           </a:p>
         </p:txBody>
       </p:sp>
+      <p:sp>
+        <p:nvSpPr>
+          <p:cNvPr id="4" name="Slide Number Placeholder 3"/>
+          <p:cNvSpPr>
+            <a:spLocks noGrp="1"/>
+          </p:cNvSpPr>
+          <p:nvPr>
+            <p:ph type="sldNum" sz="quarter" idx="12"/>
+          </p:nvPr>
+        </p:nvSpPr>
+        <p:spPr/>
+        <p:txBody>
+          <a:bodyPr/>
+          <a:lstStyle/>
+          <a:p>
+            <a:fld id="{DCFE8AC6-424E-904F-AE4A-648F5E9D72F5}" type="slidenum">
+              <a:rPr lang="en-US" smtClean="0"/>
+              <a:pPr/>
+              <a:t>5</a:t>
+            </a:fld>
+            <a:endParaRPr lang="en-US" dirty="0"/>
+          </a:p>
+        </p:txBody>
+      </p:sp>
       <p:pic>
         <p:nvPicPr>
-          <p:cNvPr id="5" name="Content Placeholder 4"/>
+          <p:cNvPr id="6" name="Content Placeholder 5"/>
           <p:cNvPicPr>
             <a:picLocks noGrp="1" noChangeAspect="1"/>
           </p:cNvPicPr>
@@ -5845,35 +5976,11 @@
         </p:blipFill>
         <p:spPr>
           <a:xfrm>
-            <a:off x="502165" y="1690689"/>
-            <a:ext cx="7682230" cy="3945316"/>
+            <a:off x="3195166" y="220883"/>
+            <a:ext cx="2020301" cy="6114304"/>
           </a:xfrm>
         </p:spPr>
       </p:pic>
-      <p:sp>
-        <p:nvSpPr>
-          <p:cNvPr id="4" name="Slide Number Placeholder 3"/>
-          <p:cNvSpPr>
-            <a:spLocks noGrp="1"/>
-          </p:cNvSpPr>
-          <p:nvPr>
-            <p:ph type="sldNum" sz="quarter" idx="12"/>
-          </p:nvPr>
-        </p:nvSpPr>
-        <p:spPr/>
-        <p:txBody>
-          <a:bodyPr/>
-          <a:lstStyle/>
-          <a:p>
-            <a:fld id="{DCFE8AC6-424E-904F-AE4A-648F5E9D72F5}" type="slidenum">
-              <a:rPr lang="en-US" smtClean="0"/>
-              <a:pPr/>
-              <a:t>5</a:t>
-            </a:fld>
-            <a:endParaRPr lang="en-US" dirty="0"/>
-          </a:p>
-        </p:txBody>
-      </p:sp>
     </p:spTree>
     <p:extLst>
       <p:ext uri="{BB962C8B-B14F-4D97-AF65-F5344CB8AC3E}">
@@ -5884,6 +5991,13 @@
   <p:clrMapOvr>
     <a:masterClrMapping/>
   </p:clrMapOvr>
+  <p:timing>
+    <p:tnLst>
+      <p:par>
+        <p:cTn id="1" dur="indefinite" restart="never" nodeType="tmRoot"/>
+      </p:par>
+    </p:tnLst>
+  </p:timing>
 </p:sld>
 </file>
 
@@ -5921,7 +6035,7 @@
           <a:p>
             <a:r>
               <a:rPr lang="en-US" dirty="0" smtClean="0"/>
-              <a:t>Screenshot of output</a:t>
+              <a:t>Output File</a:t>
             </a:r>
             <a:endParaRPr lang="en-US" dirty="0"/>
           </a:p>
@@ -5975,21 +6089,28 @@
         </p:blipFill>
         <p:spPr>
           <a:xfrm>
-            <a:off x="501649" y="2630611"/>
-            <a:ext cx="8213783" cy="2250481"/>
+            <a:off x="3606930" y="421144"/>
+            <a:ext cx="1252937" cy="6134177"/>
           </a:xfrm>
         </p:spPr>
       </p:pic>
     </p:spTree>
     <p:extLst>
       <p:ext uri="{BB962C8B-B14F-4D97-AF65-F5344CB8AC3E}">
-        <p14:creationId xmlns:p14="http://schemas.microsoft.com/office/powerpoint/2010/main" val="1168081259"/>
+        <p14:creationId xmlns:p14="http://schemas.microsoft.com/office/powerpoint/2010/main" val="500339579"/>
       </p:ext>
     </p:extLst>
   </p:cSld>
   <p:clrMapOvr>
     <a:masterClrMapping/>
   </p:clrMapOvr>
+  <p:timing>
+    <p:tnLst>
+      <p:par>
+        <p:cTn id="1" dur="indefinite" restart="never" nodeType="tmRoot"/>
+      </p:par>
+    </p:tnLst>
+  </p:timing>
 </p:sld>
 </file>
 
@@ -6027,45 +6148,8 @@
           <a:p>
             <a:r>
               <a:rPr lang="en-US" dirty="0" smtClean="0"/>
-              <a:t>Benefits of Parallelization</a:t>
-            </a:r>
-            <a:endParaRPr lang="en-US" dirty="0"/>
-          </a:p>
-        </p:txBody>
-      </p:sp>
-      <p:sp>
-        <p:nvSpPr>
-          <p:cNvPr id="3" name="Content Placeholder 2"/>
-          <p:cNvSpPr>
-            <a:spLocks noGrp="1"/>
-          </p:cNvSpPr>
-          <p:nvPr>
-            <p:ph idx="1"/>
-          </p:nvPr>
-        </p:nvSpPr>
-        <p:spPr/>
-        <p:txBody>
-          <a:bodyPr/>
-          <a:lstStyle/>
-          <a:p>
-            <a:r>
-              <a:rPr lang="en-US" dirty="0" smtClean="0"/>
-              <a:t>Makes it faster</a:t>
-            </a:r>
-          </a:p>
-          <a:p>
-            <a:r>
-              <a:rPr lang="en-US" dirty="0" smtClean="0"/>
-              <a:t>Allows for larger problem sets to be solved</a:t>
-            </a:r>
-          </a:p>
-          <a:p>
-            <a:r>
-              <a:rPr lang="en-US" dirty="0" smtClean="0"/>
-              <a:t>Frees up more computing power to be used elsewhere</a:t>
-            </a:r>
-          </a:p>
-          <a:p>
+              <a:t>Screenshot of output</a:t>
+            </a:r>
             <a:endParaRPr lang="en-US" dirty="0"/>
           </a:p>
         </p:txBody>
@@ -6094,10 +6178,39 @@
           </a:p>
         </p:txBody>
       </p:sp>
+      <p:pic>
+        <p:nvPicPr>
+          <p:cNvPr id="7" name="Content Placeholder 6"/>
+          <p:cNvPicPr>
+            <a:picLocks noGrp="1" noChangeAspect="1"/>
+          </p:cNvPicPr>
+          <p:nvPr>
+            <p:ph idx="1"/>
+          </p:nvPr>
+        </p:nvPicPr>
+        <p:blipFill>
+          <a:blip r:embed="rId2">
+            <a:extLst>
+              <a:ext uri="{28A0092B-C50C-407E-A947-70E740481C1C}">
+                <a14:useLocalDpi xmlns:a14="http://schemas.microsoft.com/office/drawing/2010/main" val="0"/>
+              </a:ext>
+            </a:extLst>
+          </a:blip>
+          <a:stretch>
+            <a:fillRect/>
+          </a:stretch>
+        </p:blipFill>
+        <p:spPr>
+          <a:xfrm>
+            <a:off x="501649" y="2630611"/>
+            <a:ext cx="8213783" cy="2250481"/>
+          </a:xfrm>
+        </p:spPr>
+      </p:pic>
     </p:spTree>
     <p:extLst>
       <p:ext uri="{BB962C8B-B14F-4D97-AF65-F5344CB8AC3E}">
-        <p14:creationId xmlns:p14="http://schemas.microsoft.com/office/powerpoint/2010/main" val="838312694"/>
+        <p14:creationId xmlns:p14="http://schemas.microsoft.com/office/powerpoint/2010/main" val="1168081259"/>
       </p:ext>
     </p:extLst>
   </p:cSld>
@@ -6148,7 +6261,7 @@
           <a:p>
             <a:r>
               <a:rPr lang="en-US" dirty="0" smtClean="0"/>
-              <a:t>How we parallelized it</a:t>
+              <a:t>Benefits of Parallelization</a:t>
             </a:r>
             <a:endParaRPr lang="en-US" dirty="0"/>
           </a:p>
@@ -6170,40 +6283,21 @@
           <a:lstStyle/>
           <a:p>
             <a:r>
-              <a:rPr lang="en-US" dirty="0"/>
-              <a:t>We are using Python m</a:t>
-            </a:r>
-            <a:r>
               <a:rPr lang="en-US" dirty="0" smtClean="0"/>
-              <a:t>ultiprocessing </a:t>
-            </a:r>
-            <a:r>
-              <a:rPr lang="en-US" dirty="0"/>
-              <a:t>to parallelize Dijkstra’s </a:t>
-            </a:r>
+              <a:t>Makes it faster</a:t>
+            </a:r>
+          </a:p>
+          <a:p>
             <a:r>
               <a:rPr lang="en-US" dirty="0" smtClean="0"/>
-              <a:t>algorithm</a:t>
+              <a:t>Allows for larger problem sets to be solved</a:t>
             </a:r>
           </a:p>
           <a:p>
             <a:r>
               <a:rPr lang="en-US" dirty="0" smtClean="0"/>
-              <a:t>N = number of nodes</a:t>
-            </a:r>
-          </a:p>
-          <a:p>
-            <a:r>
-              <a:rPr lang="en-US" dirty="0" smtClean="0"/>
-              <a:t>K = number of processors</a:t>
-            </a:r>
-          </a:p>
-          <a:p>
-            <a:r>
-              <a:rPr lang="en-US" dirty="0" smtClean="0"/>
-              <a:t>Each processor runs Dijkstra’s N / K amount of times, with a different start node each time</a:t>
-            </a:r>
-            <a:endParaRPr lang="en-US" dirty="0"/>
+              <a:t>Frees up more computing power to be used elsewhere</a:t>
+            </a:r>
           </a:p>
           <a:p>
             <a:endParaRPr lang="en-US" dirty="0"/>
@@ -6237,7 +6331,7 @@
     </p:spTree>
     <p:extLst>
       <p:ext uri="{BB962C8B-B14F-4D97-AF65-F5344CB8AC3E}">
-        <p14:creationId xmlns:p14="http://schemas.microsoft.com/office/powerpoint/2010/main" val="2085309129"/>
+        <p14:creationId xmlns:p14="http://schemas.microsoft.com/office/powerpoint/2010/main" val="838312694"/>
       </p:ext>
     </p:extLst>
   </p:cSld>
@@ -6287,46 +6381,69 @@
           <a:lstStyle/>
           <a:p>
             <a:r>
-              <a:rPr lang="en-US" dirty="0"/>
-              <a:t>R</a:t>
-            </a:r>
-            <a:r>
               <a:rPr lang="en-US" dirty="0" smtClean="0"/>
-              <a:t>esults</a:t>
+              <a:t>How we parallelized it</a:t>
             </a:r>
             <a:endParaRPr lang="en-US" dirty="0"/>
           </a:p>
         </p:txBody>
       </p:sp>
-      <p:pic>
-        <p:nvPicPr>
-          <p:cNvPr id="5" name="Content Placeholder 4"/>
-          <p:cNvPicPr>
-            <a:picLocks noGrp="1" noChangeAspect="1"/>
-          </p:cNvPicPr>
+      <p:sp>
+        <p:nvSpPr>
+          <p:cNvPr id="3" name="Content Placeholder 2"/>
+          <p:cNvSpPr>
+            <a:spLocks noGrp="1"/>
+          </p:cNvSpPr>
           <p:nvPr>
             <p:ph idx="1"/>
           </p:nvPr>
-        </p:nvPicPr>
-        <p:blipFill>
-          <a:blip r:embed="rId2">
-            <a:extLst>
-              <a:ext uri="{28A0092B-C50C-407E-A947-70E740481C1C}">
-                <a14:useLocalDpi xmlns:a14="http://schemas.microsoft.com/office/drawing/2010/main" val="0"/>
-              </a:ext>
-            </a:extLst>
-          </a:blip>
-          <a:stretch>
-            <a:fillRect/>
-          </a:stretch>
-        </p:blipFill>
-        <p:spPr>
-          <a:xfrm>
-            <a:off x="1537894" y="1465017"/>
-            <a:ext cx="6743222" cy="4320787"/>
-          </a:xfrm>
-        </p:spPr>
-      </p:pic>
+        </p:nvSpPr>
+        <p:spPr/>
+        <p:txBody>
+          <a:bodyPr/>
+          <a:lstStyle/>
+          <a:p>
+            <a:r>
+              <a:rPr lang="en-US" dirty="0"/>
+              <a:t>We are using Python m</a:t>
+            </a:r>
+            <a:r>
+              <a:rPr lang="en-US" dirty="0" smtClean="0"/>
+              <a:t>ultiprocessing </a:t>
+            </a:r>
+            <a:r>
+              <a:rPr lang="en-US" dirty="0"/>
+              <a:t>to parallelize Dijkstra’s </a:t>
+            </a:r>
+            <a:r>
+              <a:rPr lang="en-US" dirty="0" smtClean="0"/>
+              <a:t>algorithm</a:t>
+            </a:r>
+          </a:p>
+          <a:p>
+            <a:r>
+              <a:rPr lang="en-US" dirty="0" smtClean="0"/>
+              <a:t>N = number of nodes</a:t>
+            </a:r>
+          </a:p>
+          <a:p>
+            <a:r>
+              <a:rPr lang="en-US" dirty="0" smtClean="0"/>
+              <a:t>K = number of processors</a:t>
+            </a:r>
+          </a:p>
+          <a:p>
+            <a:r>
+              <a:rPr lang="en-US" dirty="0" smtClean="0"/>
+              <a:t>Each processor runs Dijkstra’s N / K amount of times, with a different start node each time</a:t>
+            </a:r>
+            <a:endParaRPr lang="en-US" dirty="0"/>
+          </a:p>
+          <a:p>
+            <a:endParaRPr lang="en-US" dirty="0"/>
+          </a:p>
+        </p:txBody>
+      </p:sp>
       <p:sp>
         <p:nvSpPr>
           <p:cNvPr id="4" name="Slide Number Placeholder 3"/>
@@ -6354,13 +6471,20 @@
     </p:spTree>
     <p:extLst>
       <p:ext uri="{BB962C8B-B14F-4D97-AF65-F5344CB8AC3E}">
-        <p14:creationId xmlns:p14="http://schemas.microsoft.com/office/powerpoint/2010/main" val="1602840120"/>
+        <p14:creationId xmlns:p14="http://schemas.microsoft.com/office/powerpoint/2010/main" val="2085309129"/>
       </p:ext>
     </p:extLst>
   </p:cSld>
   <p:clrMapOvr>
     <a:masterClrMapping/>
   </p:clrMapOvr>
+  <p:timing>
+    <p:tnLst>
+      <p:par>
+        <p:cTn id="1" dur="indefinite" restart="never" nodeType="tmRoot"/>
+      </p:par>
+    </p:tnLst>
+  </p:timing>
 </p:sld>
 </file>
 
